--- a/Semana 2/PresentaciónB.pptx
+++ b/Semana 2/PresentaciónB.pptx
@@ -238,7 +238,7 @@
           <a:p>
             <a:fld id="{430AAACB-714D-4ED6-9BCD-E10DE1E326CF}" type="datetimeFigureOut">
               <a:rPr lang="es-CO" smtClean="0"/>
-              <a:t>26/01/20</a:t>
+              <a:t>28/01/2020</a:t>
             </a:fld>
             <a:endParaRPr lang="es-CO"/>
           </a:p>
@@ -397,7 +397,7 @@
           <a:p>
             <a:fld id="{B81D652A-642D-4AF5-99C3-EB7445F78768}" type="slidenum">
               <a:rPr lang="es-CO" smtClean="0"/>
-              <a:t>‹#›</a:t>
+              <a:t>‹Nº›</a:t>
             </a:fld>
             <a:endParaRPr lang="es-CO"/>
           </a:p>
@@ -2367,7 +2367,7 @@
           <a:p>
             <a:fld id="{C214C790-AC43-4046-BAB7-879940BCF0AB}" type="datetimeFigureOut">
               <a:rPr lang="es-CO" smtClean="0"/>
-              <a:t>26/01/20</a:t>
+              <a:t>28/01/2020</a:t>
             </a:fld>
             <a:endParaRPr lang="es-CO"/>
           </a:p>
@@ -2409,7 +2409,7 @@
           <a:p>
             <a:fld id="{566F944B-B6B4-43C3-BE7E-AF6D8C6774D1}" type="slidenum">
               <a:rPr lang="es-CO" smtClean="0"/>
-              <a:t>‹#›</a:t>
+              <a:t>‹Nº›</a:t>
             </a:fld>
             <a:endParaRPr lang="es-CO"/>
           </a:p>
@@ -2575,7 +2575,7 @@
           <a:p>
             <a:fld id="{C214C790-AC43-4046-BAB7-879940BCF0AB}" type="datetimeFigureOut">
               <a:rPr lang="es-CO" smtClean="0"/>
-              <a:t>26/01/20</a:t>
+              <a:t>28/01/2020</a:t>
             </a:fld>
             <a:endParaRPr lang="es-CO"/>
           </a:p>
@@ -2617,7 +2617,7 @@
           <a:p>
             <a:fld id="{566F944B-B6B4-43C3-BE7E-AF6D8C6774D1}" type="slidenum">
               <a:rPr lang="es-CO" smtClean="0"/>
-              <a:t>‹#›</a:t>
+              <a:t>‹Nº›</a:t>
             </a:fld>
             <a:endParaRPr lang="es-CO"/>
           </a:p>
@@ -2831,7 +2831,7 @@
           <a:p>
             <a:fld id="{C214C790-AC43-4046-BAB7-879940BCF0AB}" type="datetimeFigureOut">
               <a:rPr lang="es-CO" smtClean="0"/>
-              <a:t>26/01/20</a:t>
+              <a:t>28/01/2020</a:t>
             </a:fld>
             <a:endParaRPr lang="es-CO"/>
           </a:p>
@@ -2873,7 +2873,7 @@
           <a:p>
             <a:fld id="{566F944B-B6B4-43C3-BE7E-AF6D8C6774D1}" type="slidenum">
               <a:rPr lang="es-CO" smtClean="0"/>
-              <a:t>‹#›</a:t>
+              <a:t>‹Nº›</a:t>
             </a:fld>
             <a:endParaRPr lang="es-CO"/>
           </a:p>
@@ -3001,7 +3001,7 @@
           <a:p>
             <a:fld id="{C214C790-AC43-4046-BAB7-879940BCF0AB}" type="datetimeFigureOut">
               <a:rPr lang="es-CO" smtClean="0"/>
-              <a:t>26/01/20</a:t>
+              <a:t>28/01/2020</a:t>
             </a:fld>
             <a:endParaRPr lang="es-CO"/>
           </a:p>
@@ -3043,7 +3043,7 @@
           <a:p>
             <a:fld id="{566F944B-B6B4-43C3-BE7E-AF6D8C6774D1}" type="slidenum">
               <a:rPr lang="es-CO" smtClean="0"/>
-              <a:t>‹#›</a:t>
+              <a:t>‹Nº›</a:t>
             </a:fld>
             <a:endParaRPr lang="es-CO"/>
           </a:p>
@@ -3344,7 +3344,7 @@
           <a:p>
             <a:fld id="{C214C790-AC43-4046-BAB7-879940BCF0AB}" type="datetimeFigureOut">
               <a:rPr lang="es-CO" smtClean="0"/>
-              <a:t>26/01/20</a:t>
+              <a:t>28/01/2020</a:t>
             </a:fld>
             <a:endParaRPr lang="es-CO"/>
           </a:p>
@@ -3386,7 +3386,7 @@
           <a:p>
             <a:fld id="{566F944B-B6B4-43C3-BE7E-AF6D8C6774D1}" type="slidenum">
               <a:rPr lang="es-CO" smtClean="0"/>
-              <a:t>‹#›</a:t>
+              <a:t>‹Nº›</a:t>
             </a:fld>
             <a:endParaRPr lang="es-CO"/>
           </a:p>
@@ -3619,7 +3619,7 @@
           <a:p>
             <a:fld id="{C214C790-AC43-4046-BAB7-879940BCF0AB}" type="datetimeFigureOut">
               <a:rPr lang="es-CO" smtClean="0"/>
-              <a:t>26/01/20</a:t>
+              <a:t>28/01/2020</a:t>
             </a:fld>
             <a:endParaRPr lang="es-CO"/>
           </a:p>
@@ -3661,7 +3661,7 @@
           <a:p>
             <a:fld id="{566F944B-B6B4-43C3-BE7E-AF6D8C6774D1}" type="slidenum">
               <a:rPr lang="es-CO" smtClean="0"/>
-              <a:t>‹#›</a:t>
+              <a:t>‹Nº›</a:t>
             </a:fld>
             <a:endParaRPr lang="es-CO"/>
           </a:p>
@@ -3998,7 +3998,7 @@
           <a:p>
             <a:fld id="{C214C790-AC43-4046-BAB7-879940BCF0AB}" type="datetimeFigureOut">
               <a:rPr lang="es-CO" smtClean="0"/>
-              <a:t>26/01/20</a:t>
+              <a:t>28/01/2020</a:t>
             </a:fld>
             <a:endParaRPr lang="es-CO"/>
           </a:p>
@@ -4040,7 +4040,7 @@
           <a:p>
             <a:fld id="{566F944B-B6B4-43C3-BE7E-AF6D8C6774D1}" type="slidenum">
               <a:rPr lang="es-CO" smtClean="0"/>
-              <a:t>‹#›</a:t>
+              <a:t>‹Nº›</a:t>
             </a:fld>
             <a:endParaRPr lang="es-CO"/>
           </a:p>
@@ -4116,7 +4116,7 @@
           <a:p>
             <a:fld id="{C214C790-AC43-4046-BAB7-879940BCF0AB}" type="datetimeFigureOut">
               <a:rPr lang="es-CO" smtClean="0"/>
-              <a:t>26/01/20</a:t>
+              <a:t>28/01/2020</a:t>
             </a:fld>
             <a:endParaRPr lang="es-CO"/>
           </a:p>
@@ -4158,7 +4158,7 @@
           <a:p>
             <a:fld id="{566F944B-B6B4-43C3-BE7E-AF6D8C6774D1}" type="slidenum">
               <a:rPr lang="es-CO" smtClean="0"/>
-              <a:t>‹#›</a:t>
+              <a:t>‹Nº›</a:t>
             </a:fld>
             <a:endParaRPr lang="es-CO"/>
           </a:p>
@@ -4287,7 +4287,7 @@
           <a:p>
             <a:fld id="{C214C790-AC43-4046-BAB7-879940BCF0AB}" type="datetimeFigureOut">
               <a:rPr lang="es-CO" smtClean="0"/>
-              <a:t>26/01/20</a:t>
+              <a:t>28/01/2020</a:t>
             </a:fld>
             <a:endParaRPr lang="es-CO"/>
           </a:p>
@@ -4337,7 +4337,7 @@
           <a:p>
             <a:fld id="{566F944B-B6B4-43C3-BE7E-AF6D8C6774D1}" type="slidenum">
               <a:rPr lang="es-CO" smtClean="0"/>
-              <a:t>‹#›</a:t>
+              <a:t>‹Nº›</a:t>
             </a:fld>
             <a:endParaRPr lang="es-CO"/>
           </a:p>
@@ -4641,7 +4641,7 @@
           <a:p>
             <a:fld id="{C214C790-AC43-4046-BAB7-879940BCF0AB}" type="datetimeFigureOut">
               <a:rPr lang="es-CO" smtClean="0"/>
-              <a:t>26/01/20</a:t>
+              <a:t>28/01/2020</a:t>
             </a:fld>
             <a:endParaRPr lang="es-CO"/>
           </a:p>
@@ -4704,7 +4704,7 @@
           <a:p>
             <a:fld id="{566F944B-B6B4-43C3-BE7E-AF6D8C6774D1}" type="slidenum">
               <a:rPr lang="es-CO" smtClean="0"/>
-              <a:t>‹#›</a:t>
+              <a:t>‹Nº›</a:t>
             </a:fld>
             <a:endParaRPr lang="es-CO"/>
           </a:p>
@@ -5018,7 +5018,7 @@
           <a:p>
             <a:fld id="{C214C790-AC43-4046-BAB7-879940BCF0AB}" type="datetimeFigureOut">
               <a:rPr lang="es-CO" smtClean="0"/>
-              <a:t>26/01/20</a:t>
+              <a:t>28/01/2020</a:t>
             </a:fld>
             <a:endParaRPr lang="es-CO"/>
           </a:p>
@@ -5060,7 +5060,7 @@
           <a:p>
             <a:fld id="{566F944B-B6B4-43C3-BE7E-AF6D8C6774D1}" type="slidenum">
               <a:rPr lang="es-CO" smtClean="0"/>
-              <a:t>‹#›</a:t>
+              <a:t>‹Nº›</a:t>
             </a:fld>
             <a:endParaRPr lang="es-CO"/>
           </a:p>
@@ -5305,7 +5305,7 @@
           <a:p>
             <a:fld id="{C214C790-AC43-4046-BAB7-879940BCF0AB}" type="datetimeFigureOut">
               <a:rPr lang="es-CO" smtClean="0"/>
-              <a:t>26/01/20</a:t>
+              <a:t>28/01/2020</a:t>
             </a:fld>
             <a:endParaRPr lang="es-CO"/>
           </a:p>
@@ -5379,7 +5379,7 @@
           <a:p>
             <a:fld id="{566F944B-B6B4-43C3-BE7E-AF6D8C6774D1}" type="slidenum">
               <a:rPr lang="es-CO" smtClean="0"/>
-              <a:t>‹#›</a:t>
+              <a:t>‹Nº›</a:t>
             </a:fld>
             <a:endParaRPr lang="es-CO"/>
           </a:p>
@@ -5869,8 +5869,13 @@
           <a:p>
             <a:r>
               <a:rPr lang="es-ES" dirty="0"/>
-              <a:t>PATRON SINGLETON</a:t>
-            </a:r>
+              <a:t>PATRON </a:t>
+            </a:r>
+            <a:r>
+              <a:rPr lang="es-ES" dirty="0" smtClean="0"/>
+              <a:t>OBSERVER</a:t>
+            </a:r>
+            <a:endParaRPr lang="es-ES" dirty="0"/>
           </a:p>
           <a:p>
             <a:r>
@@ -5890,6 +5895,13 @@
   <p:clrMapOvr>
     <a:masterClrMapping/>
   </p:clrMapOvr>
+  <p:timing>
+    <p:tnLst>
+      <p:par>
+        <p:cTn id="1" dur="indefinite" restart="never" nodeType="tmRoot"/>
+      </p:par>
+    </p:tnLst>
+  </p:timing>
 </p:sld>
 </file>
 
@@ -6788,6 +6800,13 @@
   <p:clrMapOvr>
     <a:masterClrMapping/>
   </p:clrMapOvr>
+  <p:timing>
+    <p:tnLst>
+      <p:par>
+        <p:cTn id="1" dur="indefinite" restart="never" nodeType="tmRoot"/>
+      </p:par>
+    </p:tnLst>
+  </p:timing>
 </p:sld>
 </file>
 
@@ -7686,6 +7705,13 @@
   <p:clrMapOvr>
     <a:masterClrMapping/>
   </p:clrMapOvr>
+  <p:timing>
+    <p:tnLst>
+      <p:par>
+        <p:cTn id="1" dur="indefinite" restart="never" nodeType="tmRoot"/>
+      </p:par>
+    </p:tnLst>
+  </p:timing>
 </p:sld>
 </file>
 
@@ -8584,6 +8610,13 @@
   <p:clrMapOvr>
     <a:masterClrMapping/>
   </p:clrMapOvr>
+  <p:timing>
+    <p:tnLst>
+      <p:par>
+        <p:cTn id="1" dur="indefinite" restart="never" nodeType="tmRoot"/>
+      </p:par>
+    </p:tnLst>
+  </p:timing>
 </p:sld>
 </file>
 
@@ -9482,6 +9515,13 @@
   <p:clrMapOvr>
     <a:masterClrMapping/>
   </p:clrMapOvr>
+  <p:timing>
+    <p:tnLst>
+      <p:par>
+        <p:cTn id="1" dur="indefinite" restart="never" nodeType="tmRoot"/>
+      </p:par>
+    </p:tnLst>
+  </p:timing>
 </p:sld>
 </file>
 
@@ -10380,6 +10420,13 @@
   <p:clrMapOvr>
     <a:masterClrMapping/>
   </p:clrMapOvr>
+  <p:timing>
+    <p:tnLst>
+      <p:par>
+        <p:cTn id="1" dur="indefinite" restart="never" nodeType="tmRoot"/>
+      </p:par>
+    </p:tnLst>
+  </p:timing>
 </p:sld>
 </file>
 
@@ -11278,6 +11325,13 @@
   <p:clrMapOvr>
     <a:masterClrMapping/>
   </p:clrMapOvr>
+  <p:timing>
+    <p:tnLst>
+      <p:par>
+        <p:cTn id="1" dur="indefinite" restart="never" nodeType="tmRoot"/>
+      </p:par>
+    </p:tnLst>
+  </p:timing>
 </p:sld>
 </file>
 
@@ -12176,6 +12230,13 @@
   <p:clrMapOvr>
     <a:masterClrMapping/>
   </p:clrMapOvr>
+  <p:timing>
+    <p:tnLst>
+      <p:par>
+        <p:cTn id="1" dur="indefinite" restart="never" nodeType="tmRoot"/>
+      </p:par>
+    </p:tnLst>
+  </p:timing>
 </p:sld>
 </file>
 
@@ -12333,6 +12394,13 @@
   <p:clrMapOvr>
     <a:masterClrMapping/>
   </p:clrMapOvr>
+  <p:timing>
+    <p:tnLst>
+      <p:par>
+        <p:cTn id="1" dur="indefinite" restart="never" nodeType="tmRoot"/>
+      </p:par>
+    </p:tnLst>
+  </p:timing>
 </p:sld>
 </file>
 
@@ -12881,6 +12949,13 @@
   <p:clrMapOvr>
     <a:masterClrMapping/>
   </p:clrMapOvr>
+  <p:timing>
+    <p:tnLst>
+      <p:par>
+        <p:cTn id="1" dur="indefinite" restart="never" nodeType="tmRoot"/>
+      </p:par>
+    </p:tnLst>
+  </p:timing>
 </p:sld>
 </file>
 
@@ -12953,6 +13028,13 @@
   <p:clrMapOvr>
     <a:masterClrMapping/>
   </p:clrMapOvr>
+  <p:timing>
+    <p:tnLst>
+      <p:par>
+        <p:cTn id="1" dur="indefinite" restart="never" nodeType="tmRoot"/>
+      </p:par>
+    </p:tnLst>
+  </p:timing>
 </p:sld>
 </file>
 
@@ -13565,6 +13647,13 @@
   <p:clrMapOvr>
     <a:masterClrMapping/>
   </p:clrMapOvr>
+  <p:timing>
+    <p:tnLst>
+      <p:par>
+        <p:cTn id="1" dur="indefinite" restart="never" nodeType="tmRoot"/>
+      </p:par>
+    </p:tnLst>
+  </p:timing>
 </p:sld>
 </file>
 
@@ -13780,6 +13869,13 @@
   <p:clrMapOvr>
     <a:masterClrMapping/>
   </p:clrMapOvr>
+  <p:timing>
+    <p:tnLst>
+      <p:par>
+        <p:cTn id="1" dur="indefinite" restart="never" nodeType="tmRoot"/>
+      </p:par>
+    </p:tnLst>
+  </p:timing>
 </p:sld>
 </file>
 
@@ -14073,6 +14169,13 @@
   <p:clrMapOvr>
     <a:masterClrMapping/>
   </p:clrMapOvr>
+  <p:timing>
+    <p:tnLst>
+      <p:par>
+        <p:cTn id="1" dur="indefinite" restart="never" nodeType="tmRoot"/>
+      </p:par>
+    </p:tnLst>
+  </p:timing>
 </p:sld>
 </file>
 
@@ -14430,6 +14533,13 @@
   <p:clrMapOvr>
     <a:masterClrMapping/>
   </p:clrMapOvr>
+  <p:timing>
+    <p:tnLst>
+      <p:par>
+        <p:cTn id="1" dur="indefinite" restart="never" nodeType="tmRoot"/>
+      </p:par>
+    </p:tnLst>
+  </p:timing>
 </p:sld>
 </file>
 
@@ -14851,6 +14961,13 @@
   <p:clrMapOvr>
     <a:masterClrMapping/>
   </p:clrMapOvr>
+  <p:timing>
+    <p:tnLst>
+      <p:par>
+        <p:cTn id="1" dur="indefinite" restart="never" nodeType="tmRoot"/>
+      </p:par>
+    </p:tnLst>
+  </p:timing>
 </p:sld>
 </file>
 
@@ -15336,6 +15453,13 @@
   <p:clrMapOvr>
     <a:masterClrMapping/>
   </p:clrMapOvr>
+  <p:timing>
+    <p:tnLst>
+      <p:par>
+        <p:cTn id="1" dur="indefinite" restart="never" nodeType="tmRoot"/>
+      </p:par>
+    </p:tnLst>
+  </p:timing>
 </p:sld>
 </file>
 
@@ -15894,6 +16018,13 @@
   <p:clrMapOvr>
     <a:masterClrMapping/>
   </p:clrMapOvr>
+  <p:timing>
+    <p:tnLst>
+      <p:par>
+        <p:cTn id="1" dur="indefinite" restart="never" nodeType="tmRoot"/>
+      </p:par>
+    </p:tnLst>
+  </p:timing>
 </p:sld>
 </file>
 
@@ -16521,6 +16652,13 @@
   <p:clrMapOvr>
     <a:masterClrMapping/>
   </p:clrMapOvr>
+  <p:timing>
+    <p:tnLst>
+      <p:par>
+        <p:cTn id="1" dur="indefinite" restart="never" nodeType="tmRoot"/>
+      </p:par>
+    </p:tnLst>
+  </p:timing>
 </p:sld>
 </file>
 
@@ -17227,6 +17365,13 @@
   <p:clrMapOvr>
     <a:masterClrMapping/>
   </p:clrMapOvr>
+  <p:timing>
+    <p:tnLst>
+      <p:par>
+        <p:cTn id="1" dur="indefinite" restart="never" nodeType="tmRoot"/>
+      </p:par>
+    </p:tnLst>
+  </p:timing>
 </p:sld>
 </file>
 
@@ -17997,6 +18142,13 @@
   <p:clrMapOvr>
     <a:masterClrMapping/>
   </p:clrMapOvr>
+  <p:timing>
+    <p:tnLst>
+      <p:par>
+        <p:cTn id="1" dur="indefinite" restart="never" nodeType="tmRoot"/>
+      </p:par>
+    </p:tnLst>
+  </p:timing>
 </p:sld>
 </file>
 
@@ -18895,6 +19047,13 @@
   <p:clrMapOvr>
     <a:masterClrMapping/>
   </p:clrMapOvr>
+  <p:timing>
+    <p:tnLst>
+      <p:par>
+        <p:cTn id="1" dur="indefinite" restart="never" nodeType="tmRoot"/>
+      </p:par>
+    </p:tnLst>
+  </p:timing>
 </p:sld>
 </file>
 
@@ -19563,6 +19722,13 @@
   <p:clrMapOvr>
     <a:masterClrMapping/>
   </p:clrMapOvr>
+  <p:timing>
+    <p:tnLst>
+      <p:par>
+        <p:cTn id="1" dur="indefinite" restart="never" nodeType="tmRoot"/>
+      </p:par>
+    </p:tnLst>
+  </p:timing>
 </p:sld>
 </file>
 
@@ -20525,6 +20691,13 @@
   <p:clrMapOvr>
     <a:masterClrMapping/>
   </p:clrMapOvr>
+  <p:timing>
+    <p:tnLst>
+      <p:par>
+        <p:cTn id="1" dur="indefinite" restart="never" nodeType="tmRoot"/>
+      </p:par>
+    </p:tnLst>
+  </p:timing>
 </p:sld>
 </file>
 
@@ -24785,6 +24958,13 @@
   <p:clrMapOvr>
     <a:masterClrMapping/>
   </p:clrMapOvr>
+  <p:timing>
+    <p:tnLst>
+      <p:par>
+        <p:cTn id="1" dur="indefinite" restart="never" nodeType="tmRoot"/>
+      </p:par>
+    </p:tnLst>
+  </p:timing>
 </p:sld>
 </file>
 
@@ -27732,6 +27912,13 @@
   <p:clrMapOvr>
     <a:masterClrMapping/>
   </p:clrMapOvr>
+  <p:timing>
+    <p:tnLst>
+      <p:par>
+        <p:cTn id="1" dur="indefinite" restart="never" nodeType="tmRoot"/>
+      </p:par>
+    </p:tnLst>
+  </p:timing>
 </p:sld>
 </file>
 
@@ -28400,6 +28587,13 @@
   <p:clrMapOvr>
     <a:masterClrMapping/>
   </p:clrMapOvr>
+  <p:timing>
+    <p:tnLst>
+      <p:par>
+        <p:cTn id="1" dur="indefinite" restart="never" nodeType="tmRoot"/>
+      </p:par>
+    </p:tnLst>
+  </p:timing>
 </p:sld>
 </file>
 
@@ -29010,6 +29204,13 @@
   <p:clrMapOvr>
     <a:masterClrMapping/>
   </p:clrMapOvr>
+  <p:timing>
+    <p:tnLst>
+      <p:par>
+        <p:cTn id="1" dur="indefinite" restart="never" nodeType="tmRoot"/>
+      </p:par>
+    </p:tnLst>
+  </p:timing>
 </p:sld>
 </file>
 
@@ -29778,6 +29979,13 @@
   <p:clrMapOvr>
     <a:masterClrMapping/>
   </p:clrMapOvr>
+  <p:timing>
+    <p:tnLst>
+      <p:par>
+        <p:cTn id="1" dur="indefinite" restart="never" nodeType="tmRoot"/>
+      </p:par>
+    </p:tnLst>
+  </p:timing>
 </p:sld>
 </file>
 
@@ -30676,6 +30884,13 @@
   <p:clrMapOvr>
     <a:masterClrMapping/>
   </p:clrMapOvr>
+  <p:timing>
+    <p:tnLst>
+      <p:par>
+        <p:cTn id="1" dur="indefinite" restart="never" nodeType="tmRoot"/>
+      </p:par>
+    </p:tnLst>
+  </p:timing>
 </p:sld>
 </file>
 

--- a/Semana 2/PresentaciónB.pptx
+++ b/Semana 2/PresentaciónB.pptx
@@ -238,7 +238,7 @@
           <a:p>
             <a:fld id="{430AAACB-714D-4ED6-9BCD-E10DE1E326CF}" type="datetimeFigureOut">
               <a:rPr lang="es-CO" smtClean="0"/>
-              <a:t>28/01/2020</a:t>
+              <a:t>24/02/2020</a:t>
             </a:fld>
             <a:endParaRPr lang="es-CO"/>
           </a:p>
@@ -2367,7 +2367,7 @@
           <a:p>
             <a:fld id="{C214C790-AC43-4046-BAB7-879940BCF0AB}" type="datetimeFigureOut">
               <a:rPr lang="es-CO" smtClean="0"/>
-              <a:t>28/01/2020</a:t>
+              <a:t>24/02/2020</a:t>
             </a:fld>
             <a:endParaRPr lang="es-CO"/>
           </a:p>
@@ -2575,7 +2575,7 @@
           <a:p>
             <a:fld id="{C214C790-AC43-4046-BAB7-879940BCF0AB}" type="datetimeFigureOut">
               <a:rPr lang="es-CO" smtClean="0"/>
-              <a:t>28/01/2020</a:t>
+              <a:t>24/02/2020</a:t>
             </a:fld>
             <a:endParaRPr lang="es-CO"/>
           </a:p>
@@ -2831,7 +2831,7 @@
           <a:p>
             <a:fld id="{C214C790-AC43-4046-BAB7-879940BCF0AB}" type="datetimeFigureOut">
               <a:rPr lang="es-CO" smtClean="0"/>
-              <a:t>28/01/2020</a:t>
+              <a:t>24/02/2020</a:t>
             </a:fld>
             <a:endParaRPr lang="es-CO"/>
           </a:p>
@@ -3001,7 +3001,7 @@
           <a:p>
             <a:fld id="{C214C790-AC43-4046-BAB7-879940BCF0AB}" type="datetimeFigureOut">
               <a:rPr lang="es-CO" smtClean="0"/>
-              <a:t>28/01/2020</a:t>
+              <a:t>24/02/2020</a:t>
             </a:fld>
             <a:endParaRPr lang="es-CO"/>
           </a:p>
@@ -3344,7 +3344,7 @@
           <a:p>
             <a:fld id="{C214C790-AC43-4046-BAB7-879940BCF0AB}" type="datetimeFigureOut">
               <a:rPr lang="es-CO" smtClean="0"/>
-              <a:t>28/01/2020</a:t>
+              <a:t>24/02/2020</a:t>
             </a:fld>
             <a:endParaRPr lang="es-CO"/>
           </a:p>
@@ -3619,7 +3619,7 @@
           <a:p>
             <a:fld id="{C214C790-AC43-4046-BAB7-879940BCF0AB}" type="datetimeFigureOut">
               <a:rPr lang="es-CO" smtClean="0"/>
-              <a:t>28/01/2020</a:t>
+              <a:t>24/02/2020</a:t>
             </a:fld>
             <a:endParaRPr lang="es-CO"/>
           </a:p>
@@ -3998,7 +3998,7 @@
           <a:p>
             <a:fld id="{C214C790-AC43-4046-BAB7-879940BCF0AB}" type="datetimeFigureOut">
               <a:rPr lang="es-CO" smtClean="0"/>
-              <a:t>28/01/2020</a:t>
+              <a:t>24/02/2020</a:t>
             </a:fld>
             <a:endParaRPr lang="es-CO"/>
           </a:p>
@@ -4116,7 +4116,7 @@
           <a:p>
             <a:fld id="{C214C790-AC43-4046-BAB7-879940BCF0AB}" type="datetimeFigureOut">
               <a:rPr lang="es-CO" smtClean="0"/>
-              <a:t>28/01/2020</a:t>
+              <a:t>24/02/2020</a:t>
             </a:fld>
             <a:endParaRPr lang="es-CO"/>
           </a:p>
@@ -4287,7 +4287,7 @@
           <a:p>
             <a:fld id="{C214C790-AC43-4046-BAB7-879940BCF0AB}" type="datetimeFigureOut">
               <a:rPr lang="es-CO" smtClean="0"/>
-              <a:t>28/01/2020</a:t>
+              <a:t>24/02/2020</a:t>
             </a:fld>
             <a:endParaRPr lang="es-CO"/>
           </a:p>
@@ -4641,7 +4641,7 @@
           <a:p>
             <a:fld id="{C214C790-AC43-4046-BAB7-879940BCF0AB}" type="datetimeFigureOut">
               <a:rPr lang="es-CO" smtClean="0"/>
-              <a:t>28/01/2020</a:t>
+              <a:t>24/02/2020</a:t>
             </a:fld>
             <a:endParaRPr lang="es-CO"/>
           </a:p>
@@ -5018,7 +5018,7 @@
           <a:p>
             <a:fld id="{C214C790-AC43-4046-BAB7-879940BCF0AB}" type="datetimeFigureOut">
               <a:rPr lang="es-CO" smtClean="0"/>
-              <a:t>28/01/2020</a:t>
+              <a:t>24/02/2020</a:t>
             </a:fld>
             <a:endParaRPr lang="es-CO"/>
           </a:p>
@@ -5305,7 +5305,7 @@
           <a:p>
             <a:fld id="{C214C790-AC43-4046-BAB7-879940BCF0AB}" type="datetimeFigureOut">
               <a:rPr lang="es-CO" smtClean="0"/>
-              <a:t>28/01/2020</a:t>
+              <a:t>24/02/2020</a:t>
             </a:fld>
             <a:endParaRPr lang="es-CO"/>
           </a:p>
@@ -26515,8 +26515,12 @@
           <a:lstStyle/>
           <a:p>
             <a:r>
-              <a:rPr lang="es-ES" dirty="0"/>
-              <a:t>Taller grupal</a:t>
+              <a:rPr lang="es-ES"/>
+              <a:t>Taller </a:t>
+            </a:r>
+            <a:r>
+              <a:rPr lang="es-ES" smtClean="0"/>
+              <a:t>grupal: 5.0</a:t>
             </a:r>
             <a:endParaRPr lang="es-CO" dirty="0"/>
           </a:p>
